--- a/Results Antonym generation.pptx
+++ b/Results Antonym generation.pptx
@@ -344,7 +344,7 @@
           <a:p>
             <a:fld id="{649AF499-C652-4FFF-8127-35FD1C8CB0C5}" type="slidenum">
               <a:rPr lang="en-US" smtClean="0"/>
-              <a:t>‹Nr.›</a:t>
+              <a:t>‹#›</a:t>
             </a:fld>
             <a:endParaRPr lang="en-US"/>
           </a:p>
@@ -544,7 +544,7 @@
           <a:p>
             <a:fld id="{649AF499-C652-4FFF-8127-35FD1C8CB0C5}" type="slidenum">
               <a:rPr lang="en-US" smtClean="0"/>
-              <a:t>‹Nr.›</a:t>
+              <a:t>‹#›</a:t>
             </a:fld>
             <a:endParaRPr lang="en-US"/>
           </a:p>
@@ -754,7 +754,7 @@
           <a:p>
             <a:fld id="{649AF499-C652-4FFF-8127-35FD1C8CB0C5}" type="slidenum">
               <a:rPr lang="en-US" smtClean="0"/>
-              <a:t>‹Nr.›</a:t>
+              <a:t>‹#›</a:t>
             </a:fld>
             <a:endParaRPr lang="en-US"/>
           </a:p>
@@ -954,7 +954,7 @@
           <a:p>
             <a:fld id="{649AF499-C652-4FFF-8127-35FD1C8CB0C5}" type="slidenum">
               <a:rPr lang="en-US" smtClean="0"/>
-              <a:t>‹Nr.›</a:t>
+              <a:t>‹#›</a:t>
             </a:fld>
             <a:endParaRPr lang="en-US"/>
           </a:p>
@@ -1230,7 +1230,7 @@
           <a:p>
             <a:fld id="{649AF499-C652-4FFF-8127-35FD1C8CB0C5}" type="slidenum">
               <a:rPr lang="en-US" smtClean="0"/>
-              <a:t>‹Nr.›</a:t>
+              <a:t>‹#›</a:t>
             </a:fld>
             <a:endParaRPr lang="en-US"/>
           </a:p>
@@ -1498,7 +1498,7 @@
           <a:p>
             <a:fld id="{649AF499-C652-4FFF-8127-35FD1C8CB0C5}" type="slidenum">
               <a:rPr lang="en-US" smtClean="0"/>
-              <a:t>‹Nr.›</a:t>
+              <a:t>‹#›</a:t>
             </a:fld>
             <a:endParaRPr lang="en-US"/>
           </a:p>
@@ -1913,7 +1913,7 @@
           <a:p>
             <a:fld id="{649AF499-C652-4FFF-8127-35FD1C8CB0C5}" type="slidenum">
               <a:rPr lang="en-US" smtClean="0"/>
-              <a:t>‹Nr.›</a:t>
+              <a:t>‹#›</a:t>
             </a:fld>
             <a:endParaRPr lang="en-US"/>
           </a:p>
@@ -2055,7 +2055,7 @@
           <a:p>
             <a:fld id="{649AF499-C652-4FFF-8127-35FD1C8CB0C5}" type="slidenum">
               <a:rPr lang="en-US" smtClean="0"/>
-              <a:t>‹Nr.›</a:t>
+              <a:t>‹#›</a:t>
             </a:fld>
             <a:endParaRPr lang="en-US"/>
           </a:p>
@@ -2168,7 +2168,7 @@
           <a:p>
             <a:fld id="{649AF499-C652-4FFF-8127-35FD1C8CB0C5}" type="slidenum">
               <a:rPr lang="en-US" smtClean="0"/>
-              <a:t>‹Nr.›</a:t>
+              <a:t>‹#›</a:t>
             </a:fld>
             <a:endParaRPr lang="en-US"/>
           </a:p>
@@ -2481,7 +2481,7 @@
           <a:p>
             <a:fld id="{649AF499-C652-4FFF-8127-35FD1C8CB0C5}" type="slidenum">
               <a:rPr lang="en-US" smtClean="0"/>
-              <a:t>‹Nr.›</a:t>
+              <a:t>‹#›</a:t>
             </a:fld>
             <a:endParaRPr lang="en-US"/>
           </a:p>
@@ -2770,7 +2770,7 @@
           <a:p>
             <a:fld id="{649AF499-C652-4FFF-8127-35FD1C8CB0C5}" type="slidenum">
               <a:rPr lang="en-US" smtClean="0"/>
-              <a:t>‹Nr.›</a:t>
+              <a:t>‹#›</a:t>
             </a:fld>
             <a:endParaRPr lang="en-US"/>
           </a:p>
@@ -3049,7 +3049,7 @@
           <a:p>
             <a:fld id="{649AF499-C652-4FFF-8127-35FD1C8CB0C5}" type="slidenum">
               <a:rPr lang="en-US" smtClean="0"/>
-              <a:t>‹Nr.›</a:t>
+              <a:t>‹#›</a:t>
             </a:fld>
             <a:endParaRPr lang="en-US"/>
           </a:p>
@@ -5514,7 +5514,7 @@
         </p:blipFill>
         <p:spPr>
           <a:xfrm>
-            <a:off x="-2" y="-1"/>
+            <a:off x="160885" y="-80812"/>
             <a:ext cx="12192001" cy="6858000"/>
           </a:xfrm>
           <a:prstGeom prst="rect">
@@ -5540,7 +5540,7 @@
         </p:nvSpPr>
         <p:spPr>
           <a:xfrm>
-            <a:off x="856210" y="4909985"/>
+            <a:off x="160885" y="-4612"/>
             <a:ext cx="3212386" cy="1185353"/>
           </a:xfrm>
         </p:spPr>
@@ -5552,7 +5552,7 @@
           <a:p>
             <a:pPr algn="l"/>
             <a:r>
-              <a:rPr lang="en-US" sz="2600" b="1"/>
+              <a:rPr lang="en-US" sz="2600" b="1" dirty="0"/>
               <a:t>All country visualization</a:t>
             </a:r>
           </a:p>
@@ -5576,7 +5576,7 @@
         </p:nvSpPr>
         <p:spPr>
           <a:xfrm>
-            <a:off x="4410734" y="4909984"/>
+            <a:off x="160885" y="981432"/>
             <a:ext cx="2228641" cy="1185353"/>
           </a:xfrm>
         </p:spPr>
@@ -5651,7 +5651,7 @@
         </p:blipFill>
         <p:spPr>
           <a:xfrm>
-            <a:off x="-1" y="-103505"/>
+            <a:off x="-1" y="77470"/>
             <a:ext cx="12192001" cy="6858000"/>
           </a:xfrm>
           <a:prstGeom prst="rect">
@@ -5677,7 +5677,7 @@
         </p:nvSpPr>
         <p:spPr>
           <a:xfrm>
-            <a:off x="856210" y="4909985"/>
+            <a:off x="208510" y="-85118"/>
             <a:ext cx="3212386" cy="1185353"/>
           </a:xfrm>
         </p:spPr>
@@ -5689,7 +5689,7 @@
           <a:p>
             <a:pPr algn="l"/>
             <a:r>
-              <a:rPr lang="en-US" sz="2600" b="1"/>
+              <a:rPr lang="en-US" sz="2600" b="1" dirty="0"/>
               <a:t>All country visualization</a:t>
             </a:r>
           </a:p>
@@ -5713,7 +5713,7 @@
         </p:nvSpPr>
         <p:spPr>
           <a:xfrm>
-            <a:off x="4410734" y="4909984"/>
+            <a:off x="1972334" y="0"/>
             <a:ext cx="2228641" cy="1185353"/>
           </a:xfrm>
         </p:spPr>
